--- a/powerpoint/KaggleCardiacData.pptx
+++ b/powerpoint/KaggleCardiacData.pptx
@@ -237,7 +237,7 @@
           <a:p>
             <a:fld id="{CDE6527C-E90F-44BB-8A98-C2C76A6B7D89}" type="datetimeFigureOut">
               <a:rPr lang="en-US" smtClean="0"/>
-              <a:t>11/16/2019</a:t>
+              <a:t>6/18/2021</a:t>
             </a:fld>
             <a:endParaRPr lang="en-US" dirty="0"/>
           </a:p>
@@ -2480,7 +2480,7 @@
           <a:noFill/>
           <a:extLst>
             <a:ext uri="{909E8E84-426E-40dd-AFC4-6F175D3DCCD1}">
-              <a14:hiddenFill xmlns:a14="http://schemas.microsoft.com/office/drawing/2010/main" xmlns="">
+              <a14:hiddenFill xmlns="" xmlns:a14="http://schemas.microsoft.com/office/drawing/2010/main">
                 <a:solidFill>
                   <a:srgbClr val="FFFFFF"/>
                 </a:solidFill>
@@ -2539,7 +2539,7 @@
             </a:ln>
             <a:extLst>
               <a:ext uri="{91240B29-F687-4f45-9708-019B960494DF}">
-                <a14:hiddenLine xmlns:a14="http://schemas.microsoft.com/office/drawing/2010/main" xmlns="" w="9525">
+                <a14:hiddenLine xmlns="" xmlns:a14="http://schemas.microsoft.com/office/drawing/2010/main" w="9525">
                   <a:solidFill>
                     <a:srgbClr val="000000"/>
                   </a:solidFill>
@@ -2629,7 +2629,7 @@
             </a:ln>
             <a:extLst>
               <a:ext uri="{91240B29-F687-4f45-9708-019B960494DF}">
-                <a14:hiddenLine xmlns:a14="http://schemas.microsoft.com/office/drawing/2010/main" xmlns="" w="9525">
+                <a14:hiddenLine xmlns="" xmlns:a14="http://schemas.microsoft.com/office/drawing/2010/main" w="9525">
                   <a:solidFill>
                     <a:srgbClr val="000000"/>
                   </a:solidFill>
@@ -2719,7 +2719,7 @@
             </a:ln>
             <a:extLst>
               <a:ext uri="{91240B29-F687-4f45-9708-019B960494DF}">
-                <a14:hiddenLine xmlns:a14="http://schemas.microsoft.com/office/drawing/2010/main" xmlns="" w="9525">
+                <a14:hiddenLine xmlns="" xmlns:a14="http://schemas.microsoft.com/office/drawing/2010/main" w="9525">
                   <a:solidFill>
                     <a:srgbClr val="000000"/>
                   </a:solidFill>
@@ -2753,7 +2753,7 @@
             </a:ln>
             <a:extLst>
               <a:ext uri="{91240B29-F687-4f45-9708-019B960494DF}">
-                <a14:hiddenLine xmlns:a14="http://schemas.microsoft.com/office/drawing/2010/main" xmlns="" w="9525">
+                <a14:hiddenLine xmlns="" xmlns:a14="http://schemas.microsoft.com/office/drawing/2010/main" w="9525">
                   <a:solidFill>
                     <a:srgbClr val="000000"/>
                   </a:solidFill>
@@ -2843,7 +2843,7 @@
             </a:ln>
             <a:extLst>
               <a:ext uri="{91240B29-F687-4f45-9708-019B960494DF}">
-                <a14:hiddenLine xmlns:a14="http://schemas.microsoft.com/office/drawing/2010/main" xmlns="" w="9525">
+                <a14:hiddenLine xmlns="" xmlns:a14="http://schemas.microsoft.com/office/drawing/2010/main" w="9525">
                   <a:solidFill>
                     <a:srgbClr val="000000"/>
                   </a:solidFill>
@@ -2905,7 +2905,7 @@
             </a:ln>
             <a:extLst>
               <a:ext uri="{91240B29-F687-4f45-9708-019B960494DF}">
-                <a14:hiddenLine xmlns:a14="http://schemas.microsoft.com/office/drawing/2010/main" xmlns="" w="9525">
+                <a14:hiddenLine xmlns="" xmlns:a14="http://schemas.microsoft.com/office/drawing/2010/main" w="9525">
                   <a:solidFill>
                     <a:srgbClr val="000000"/>
                   </a:solidFill>
@@ -2967,7 +2967,7 @@
             </a:ln>
             <a:extLst>
               <a:ext uri="{91240B29-F687-4f45-9708-019B960494DF}">
-                <a14:hiddenLine xmlns:a14="http://schemas.microsoft.com/office/drawing/2010/main" xmlns="" w="9525">
+                <a14:hiddenLine xmlns="" xmlns:a14="http://schemas.microsoft.com/office/drawing/2010/main" w="9525">
                   <a:solidFill>
                     <a:srgbClr val="000000"/>
                   </a:solidFill>
@@ -3057,7 +3057,7 @@
             </a:ln>
             <a:extLst>
               <a:ext uri="{91240B29-F687-4f45-9708-019B960494DF}">
-                <a14:hiddenLine xmlns:a14="http://schemas.microsoft.com/office/drawing/2010/main" xmlns="" w="9525">
+                <a14:hiddenLine xmlns="" xmlns:a14="http://schemas.microsoft.com/office/drawing/2010/main" w="9525">
                   <a:solidFill>
                     <a:srgbClr val="000000"/>
                   </a:solidFill>
@@ -3119,7 +3119,7 @@
             </a:ln>
             <a:extLst>
               <a:ext uri="{91240B29-F687-4f45-9708-019B960494DF}">
-                <a14:hiddenLine xmlns:a14="http://schemas.microsoft.com/office/drawing/2010/main" xmlns="" w="9525">
+                <a14:hiddenLine xmlns="" xmlns:a14="http://schemas.microsoft.com/office/drawing/2010/main" w="9525">
                   <a:solidFill>
                     <a:srgbClr val="000000"/>
                   </a:solidFill>
@@ -3181,7 +3181,7 @@
             </a:ln>
             <a:extLst>
               <a:ext uri="{91240B29-F687-4f45-9708-019B960494DF}">
-                <a14:hiddenLine xmlns:a14="http://schemas.microsoft.com/office/drawing/2010/main" xmlns="" w="9525">
+                <a14:hiddenLine xmlns="" xmlns:a14="http://schemas.microsoft.com/office/drawing/2010/main" w="9525">
                   <a:solidFill>
                     <a:srgbClr val="000000"/>
                   </a:solidFill>
@@ -3271,7 +3271,7 @@
             </a:ln>
             <a:extLst>
               <a:ext uri="{91240B29-F687-4f45-9708-019B960494DF}">
-                <a14:hiddenLine xmlns:a14="http://schemas.microsoft.com/office/drawing/2010/main" xmlns="" w="9525">
+                <a14:hiddenLine xmlns="" xmlns:a14="http://schemas.microsoft.com/office/drawing/2010/main" w="9525">
                   <a:solidFill>
                     <a:srgbClr val="000000"/>
                   </a:solidFill>
@@ -3361,7 +3361,7 @@
             </a:ln>
             <a:extLst>
               <a:ext uri="{91240B29-F687-4f45-9708-019B960494DF}">
-                <a14:hiddenLine xmlns:a14="http://schemas.microsoft.com/office/drawing/2010/main" xmlns="" w="9525">
+                <a14:hiddenLine xmlns="" xmlns:a14="http://schemas.microsoft.com/office/drawing/2010/main" w="9525">
                   <a:solidFill>
                     <a:srgbClr val="000000"/>
                   </a:solidFill>
@@ -3423,7 +3423,7 @@
             </a:ln>
             <a:extLst>
               <a:ext uri="{91240B29-F687-4f45-9708-019B960494DF}">
-                <a14:hiddenLine xmlns:a14="http://schemas.microsoft.com/office/drawing/2010/main" xmlns="" w="9525">
+                <a14:hiddenLine xmlns="" xmlns:a14="http://schemas.microsoft.com/office/drawing/2010/main" w="9525">
                   <a:solidFill>
                     <a:srgbClr val="000000"/>
                   </a:solidFill>
@@ -3533,7 +3533,7 @@
             </a:ln>
             <a:extLst>
               <a:ext uri="{91240B29-F687-4f45-9708-019B960494DF}">
-                <a14:hiddenLine xmlns:a14="http://schemas.microsoft.com/office/drawing/2010/main" xmlns="" w="9525">
+                <a14:hiddenLine xmlns="" xmlns:a14="http://schemas.microsoft.com/office/drawing/2010/main" w="9525">
                   <a:solidFill>
                     <a:srgbClr val="000000"/>
                   </a:solidFill>
@@ -3595,7 +3595,7 @@
             </a:ln>
             <a:extLst>
               <a:ext uri="{91240B29-F687-4f45-9708-019B960494DF}">
-                <a14:hiddenLine xmlns:a14="http://schemas.microsoft.com/office/drawing/2010/main" xmlns="" w="9525">
+                <a14:hiddenLine xmlns="" xmlns:a14="http://schemas.microsoft.com/office/drawing/2010/main" w="9525">
                   <a:solidFill>
                     <a:srgbClr val="000000"/>
                   </a:solidFill>
@@ -3685,7 +3685,7 @@
             </a:ln>
             <a:extLst>
               <a:ext uri="{91240B29-F687-4f45-9708-019B960494DF}">
-                <a14:hiddenLine xmlns:a14="http://schemas.microsoft.com/office/drawing/2010/main" xmlns="" w="9525">
+                <a14:hiddenLine xmlns="" xmlns:a14="http://schemas.microsoft.com/office/drawing/2010/main" w="9525">
                   <a:solidFill>
                     <a:srgbClr val="000000"/>
                   </a:solidFill>
@@ -3775,7 +3775,7 @@
             </a:ln>
             <a:extLst>
               <a:ext uri="{91240B29-F687-4f45-9708-019B960494DF}">
-                <a14:hiddenLine xmlns:a14="http://schemas.microsoft.com/office/drawing/2010/main" xmlns="" w="9525">
+                <a14:hiddenLine xmlns="" xmlns:a14="http://schemas.microsoft.com/office/drawing/2010/main" w="9525">
                   <a:solidFill>
                     <a:srgbClr val="000000"/>
                   </a:solidFill>
@@ -3837,7 +3837,7 @@
             </a:ln>
             <a:extLst>
               <a:ext uri="{91240B29-F687-4f45-9708-019B960494DF}">
-                <a14:hiddenLine xmlns:a14="http://schemas.microsoft.com/office/drawing/2010/main" xmlns="" w="9525">
+                <a14:hiddenLine xmlns="" xmlns:a14="http://schemas.microsoft.com/office/drawing/2010/main" w="9525">
                   <a:solidFill>
                     <a:srgbClr val="000000"/>
                   </a:solidFill>
@@ -3927,7 +3927,7 @@
             </a:ln>
             <a:extLst>
               <a:ext uri="{91240B29-F687-4f45-9708-019B960494DF}">
-                <a14:hiddenLine xmlns:a14="http://schemas.microsoft.com/office/drawing/2010/main" xmlns="" w="9525">
+                <a14:hiddenLine xmlns="" xmlns:a14="http://schemas.microsoft.com/office/drawing/2010/main" w="9525">
                   <a:solidFill>
                     <a:srgbClr val="000000"/>
                   </a:solidFill>
@@ -4017,7 +4017,7 @@
             </a:ln>
             <a:extLst>
               <a:ext uri="{91240B29-F687-4f45-9708-019B960494DF}">
-                <a14:hiddenLine xmlns:a14="http://schemas.microsoft.com/office/drawing/2010/main" xmlns="" w="9525">
+                <a14:hiddenLine xmlns="" xmlns:a14="http://schemas.microsoft.com/office/drawing/2010/main" w="9525">
                   <a:solidFill>
                     <a:srgbClr val="000000"/>
                   </a:solidFill>
@@ -4073,7 +4073,7 @@
             </a:ln>
             <a:extLst>
               <a:ext uri="{91240B29-F687-4f45-9708-019B960494DF}">
-                <a14:hiddenLine xmlns:a14="http://schemas.microsoft.com/office/drawing/2010/main" xmlns="" w="9525">
+                <a14:hiddenLine xmlns="" xmlns:a14="http://schemas.microsoft.com/office/drawing/2010/main" w="9525">
                   <a:solidFill>
                     <a:srgbClr val="000000"/>
                   </a:solidFill>
@@ -4163,7 +4163,7 @@
             </a:ln>
             <a:extLst>
               <a:ext uri="{91240B29-F687-4f45-9708-019B960494DF}">
-                <a14:hiddenLine xmlns:a14="http://schemas.microsoft.com/office/drawing/2010/main" xmlns="" w="9525">
+                <a14:hiddenLine xmlns="" xmlns:a14="http://schemas.microsoft.com/office/drawing/2010/main" w="9525">
                   <a:solidFill>
                     <a:srgbClr val="000000"/>
                   </a:solidFill>
@@ -4219,7 +4219,7 @@
             </a:ln>
             <a:extLst>
               <a:ext uri="{91240B29-F687-4f45-9708-019B960494DF}">
-                <a14:hiddenLine xmlns:a14="http://schemas.microsoft.com/office/drawing/2010/main" xmlns="" w="9525">
+                <a14:hiddenLine xmlns="" xmlns:a14="http://schemas.microsoft.com/office/drawing/2010/main" w="9525">
                   <a:solidFill>
                     <a:srgbClr val="000000"/>
                   </a:solidFill>
@@ -4309,7 +4309,7 @@
             </a:ln>
             <a:extLst>
               <a:ext uri="{91240B29-F687-4f45-9708-019B960494DF}">
-                <a14:hiddenLine xmlns:a14="http://schemas.microsoft.com/office/drawing/2010/main" xmlns="" w="9525">
+                <a14:hiddenLine xmlns="" xmlns:a14="http://schemas.microsoft.com/office/drawing/2010/main" w="9525">
                   <a:solidFill>
                     <a:srgbClr val="000000"/>
                   </a:solidFill>
@@ -4377,7 +4377,7 @@
             </a:ln>
             <a:extLst>
               <a:ext uri="{91240B29-F687-4f45-9708-019B960494DF}">
-                <a14:hiddenLine xmlns:a14="http://schemas.microsoft.com/office/drawing/2010/main" xmlns="" w="9525">
+                <a14:hiddenLine xmlns="" xmlns:a14="http://schemas.microsoft.com/office/drawing/2010/main" w="9525">
                   <a:solidFill>
                     <a:srgbClr val="000000"/>
                   </a:solidFill>
@@ -4467,7 +4467,7 @@
             </a:ln>
             <a:extLst>
               <a:ext uri="{91240B29-F687-4f45-9708-019B960494DF}">
-                <a14:hiddenLine xmlns:a14="http://schemas.microsoft.com/office/drawing/2010/main" xmlns="" w="9525">
+                <a14:hiddenLine xmlns="" xmlns:a14="http://schemas.microsoft.com/office/drawing/2010/main" w="9525">
                   <a:solidFill>
                     <a:srgbClr val="000000"/>
                   </a:solidFill>
@@ -4535,7 +4535,7 @@
             </a:ln>
             <a:extLst>
               <a:ext uri="{91240B29-F687-4f45-9708-019B960494DF}">
-                <a14:hiddenLine xmlns:a14="http://schemas.microsoft.com/office/drawing/2010/main" xmlns="" w="9525">
+                <a14:hiddenLine xmlns="" xmlns:a14="http://schemas.microsoft.com/office/drawing/2010/main" w="9525">
                   <a:solidFill>
                     <a:srgbClr val="000000"/>
                   </a:solidFill>
@@ -4625,7 +4625,7 @@
             </a:ln>
             <a:extLst>
               <a:ext uri="{91240B29-F687-4f45-9708-019B960494DF}">
-                <a14:hiddenLine xmlns:a14="http://schemas.microsoft.com/office/drawing/2010/main" xmlns="" w="9525">
+                <a14:hiddenLine xmlns="" xmlns:a14="http://schemas.microsoft.com/office/drawing/2010/main" w="9525">
                   <a:solidFill>
                     <a:srgbClr val="000000"/>
                   </a:solidFill>
@@ -4659,7 +4659,7 @@
             </a:ln>
             <a:extLst>
               <a:ext uri="{91240B29-F687-4f45-9708-019B960494DF}">
-                <a14:hiddenLine xmlns:a14="http://schemas.microsoft.com/office/drawing/2010/main" xmlns="" w="9525">
+                <a14:hiddenLine xmlns="" xmlns:a14="http://schemas.microsoft.com/office/drawing/2010/main" w="9525">
                   <a:solidFill>
                     <a:srgbClr val="000000"/>
                   </a:solidFill>
@@ -4749,7 +4749,7 @@
             </a:ln>
             <a:extLst>
               <a:ext uri="{91240B29-F687-4f45-9708-019B960494DF}">
-                <a14:hiddenLine xmlns:a14="http://schemas.microsoft.com/office/drawing/2010/main" xmlns="" w="9525">
+                <a14:hiddenLine xmlns="" xmlns:a14="http://schemas.microsoft.com/office/drawing/2010/main" w="9525">
                   <a:solidFill>
                     <a:srgbClr val="000000"/>
                   </a:solidFill>
@@ -4811,7 +4811,7 @@
             </a:ln>
             <a:extLst>
               <a:ext uri="{91240B29-F687-4f45-9708-019B960494DF}">
-                <a14:hiddenLine xmlns:a14="http://schemas.microsoft.com/office/drawing/2010/main" xmlns="" w="9525">
+                <a14:hiddenLine xmlns="" xmlns:a14="http://schemas.microsoft.com/office/drawing/2010/main" w="9525">
                   <a:solidFill>
                     <a:srgbClr val="000000"/>
                   </a:solidFill>
@@ -4873,7 +4873,7 @@
             </a:ln>
             <a:extLst>
               <a:ext uri="{91240B29-F687-4f45-9708-019B960494DF}">
-                <a14:hiddenLine xmlns:a14="http://schemas.microsoft.com/office/drawing/2010/main" xmlns="" w="9525">
+                <a14:hiddenLine xmlns="" xmlns:a14="http://schemas.microsoft.com/office/drawing/2010/main" w="9525">
                   <a:solidFill>
                     <a:srgbClr val="000000"/>
                   </a:solidFill>
@@ -4963,7 +4963,7 @@
             </a:ln>
             <a:extLst>
               <a:ext uri="{91240B29-F687-4f45-9708-019B960494DF}">
-                <a14:hiddenLine xmlns:a14="http://schemas.microsoft.com/office/drawing/2010/main" xmlns="" w="9525">
+                <a14:hiddenLine xmlns="" xmlns:a14="http://schemas.microsoft.com/office/drawing/2010/main" w="9525">
                   <a:solidFill>
                     <a:srgbClr val="000000"/>
                   </a:solidFill>
@@ -5031,7 +5031,7 @@
             </a:ln>
             <a:extLst>
               <a:ext uri="{91240B29-F687-4f45-9708-019B960494DF}">
-                <a14:hiddenLine xmlns:a14="http://schemas.microsoft.com/office/drawing/2010/main" xmlns="" w="9525">
+                <a14:hiddenLine xmlns="" xmlns:a14="http://schemas.microsoft.com/office/drawing/2010/main" w="9525">
                   <a:solidFill>
                     <a:srgbClr val="000000"/>
                   </a:solidFill>
@@ -5093,7 +5093,7 @@
             </a:ln>
             <a:extLst>
               <a:ext uri="{91240B29-F687-4f45-9708-019B960494DF}">
-                <a14:hiddenLine xmlns:a14="http://schemas.microsoft.com/office/drawing/2010/main" xmlns="" w="9525">
+                <a14:hiddenLine xmlns="" xmlns:a14="http://schemas.microsoft.com/office/drawing/2010/main" w="9525">
                   <a:solidFill>
                     <a:srgbClr val="000000"/>
                   </a:solidFill>
@@ -5183,7 +5183,7 @@
             </a:ln>
             <a:extLst>
               <a:ext uri="{91240B29-F687-4f45-9708-019B960494DF}">
-                <a14:hiddenLine xmlns:a14="http://schemas.microsoft.com/office/drawing/2010/main" xmlns="" w="9525">
+                <a14:hiddenLine xmlns="" xmlns:a14="http://schemas.microsoft.com/office/drawing/2010/main" w="9525">
                   <a:solidFill>
                     <a:srgbClr val="000000"/>
                   </a:solidFill>
@@ -5245,7 +5245,7 @@
             </a:ln>
             <a:extLst>
               <a:ext uri="{91240B29-F687-4f45-9708-019B960494DF}">
-                <a14:hiddenLine xmlns:a14="http://schemas.microsoft.com/office/drawing/2010/main" xmlns="" w="9525">
+                <a14:hiddenLine xmlns="" xmlns:a14="http://schemas.microsoft.com/office/drawing/2010/main" w="9525">
                   <a:solidFill>
                     <a:srgbClr val="000000"/>
                   </a:solidFill>
@@ -5335,7 +5335,7 @@
             </a:ln>
             <a:extLst>
               <a:ext uri="{91240B29-F687-4f45-9708-019B960494DF}">
-                <a14:hiddenLine xmlns:a14="http://schemas.microsoft.com/office/drawing/2010/main" xmlns="" w="9525">
+                <a14:hiddenLine xmlns="" xmlns:a14="http://schemas.microsoft.com/office/drawing/2010/main" w="9525">
                   <a:solidFill>
                     <a:srgbClr val="000000"/>
                   </a:solidFill>
@@ -5397,7 +5397,7 @@
             </a:ln>
             <a:extLst>
               <a:ext uri="{91240B29-F687-4f45-9708-019B960494DF}">
-                <a14:hiddenLine xmlns:a14="http://schemas.microsoft.com/office/drawing/2010/main" xmlns="" w="9525">
+                <a14:hiddenLine xmlns="" xmlns:a14="http://schemas.microsoft.com/office/drawing/2010/main" w="9525">
                   <a:solidFill>
                     <a:srgbClr val="000000"/>
                   </a:solidFill>
@@ -5487,7 +5487,7 @@
             </a:ln>
             <a:extLst>
               <a:ext uri="{91240B29-F687-4f45-9708-019B960494DF}">
-                <a14:hiddenLine xmlns:a14="http://schemas.microsoft.com/office/drawing/2010/main" xmlns="" w="9525">
+                <a14:hiddenLine xmlns="" xmlns:a14="http://schemas.microsoft.com/office/drawing/2010/main" w="9525">
                   <a:solidFill>
                     <a:srgbClr val="000000"/>
                   </a:solidFill>
@@ -5521,7 +5521,7 @@
             </a:ln>
             <a:extLst>
               <a:ext uri="{91240B29-F687-4f45-9708-019B960494DF}">
-                <a14:hiddenLine xmlns:a14="http://schemas.microsoft.com/office/drawing/2010/main" xmlns="" w="9525">
+                <a14:hiddenLine xmlns="" xmlns:a14="http://schemas.microsoft.com/office/drawing/2010/main" w="9525">
                   <a:solidFill>
                     <a:srgbClr val="000000"/>
                   </a:solidFill>
@@ -5586,7 +5586,7 @@
             </a:ln>
             <a:extLst>
               <a:ext uri="{91240B29-F687-4f45-9708-019B960494DF}">
-                <a14:hiddenLine xmlns:a14="http://schemas.microsoft.com/office/drawing/2010/main" xmlns="" w="9525">
+                <a14:hiddenLine xmlns="" xmlns:a14="http://schemas.microsoft.com/office/drawing/2010/main" w="9525">
                   <a:solidFill>
                     <a:srgbClr val="000000"/>
                   </a:solidFill>
@@ -5676,7 +5676,7 @@
             </a:ln>
             <a:extLst>
               <a:ext uri="{91240B29-F687-4f45-9708-019B960494DF}">
-                <a14:hiddenLine xmlns:a14="http://schemas.microsoft.com/office/drawing/2010/main" xmlns="" w="9525">
+                <a14:hiddenLine xmlns="" xmlns:a14="http://schemas.microsoft.com/office/drawing/2010/main" w="9525">
                   <a:solidFill>
                     <a:srgbClr val="000000"/>
                   </a:solidFill>
@@ -5738,7 +5738,7 @@
             </a:ln>
             <a:extLst>
               <a:ext uri="{91240B29-F687-4f45-9708-019B960494DF}">
-                <a14:hiddenLine xmlns:a14="http://schemas.microsoft.com/office/drawing/2010/main" xmlns="" w="9525">
+                <a14:hiddenLine xmlns="" xmlns:a14="http://schemas.microsoft.com/office/drawing/2010/main" w="9525">
                   <a:solidFill>
                     <a:srgbClr val="000000"/>
                   </a:solidFill>
@@ -5828,7 +5828,7 @@
             </a:ln>
             <a:extLst>
               <a:ext uri="{91240B29-F687-4f45-9708-019B960494DF}">
-                <a14:hiddenLine xmlns:a14="http://schemas.microsoft.com/office/drawing/2010/main" xmlns="" w="9525">
+                <a14:hiddenLine xmlns="" xmlns:a14="http://schemas.microsoft.com/office/drawing/2010/main" w="9525">
                   <a:solidFill>
                     <a:srgbClr val="000000"/>
                   </a:solidFill>
@@ -5918,7 +5918,7 @@
             </a:ln>
             <a:extLst>
               <a:ext uri="{91240B29-F687-4f45-9708-019B960494DF}">
-                <a14:hiddenLine xmlns:a14="http://schemas.microsoft.com/office/drawing/2010/main" xmlns="" w="9525">
+                <a14:hiddenLine xmlns="" xmlns:a14="http://schemas.microsoft.com/office/drawing/2010/main" w="9525">
                   <a:solidFill>
                     <a:srgbClr val="000000"/>
                   </a:solidFill>
@@ -5983,7 +5983,7 @@
             </a:ln>
             <a:extLst>
               <a:ext uri="{91240B29-F687-4f45-9708-019B960494DF}">
-                <a14:hiddenLine xmlns:a14="http://schemas.microsoft.com/office/drawing/2010/main" xmlns="" w="9525">
+                <a14:hiddenLine xmlns="" xmlns:a14="http://schemas.microsoft.com/office/drawing/2010/main" w="9525">
                   <a:solidFill>
                     <a:srgbClr val="000000"/>
                   </a:solidFill>
@@ -6045,7 +6045,7 @@
             </a:ln>
             <a:extLst>
               <a:ext uri="{91240B29-F687-4f45-9708-019B960494DF}">
-                <a14:hiddenLine xmlns:a14="http://schemas.microsoft.com/office/drawing/2010/main" xmlns="" w="9525">
+                <a14:hiddenLine xmlns="" xmlns:a14="http://schemas.microsoft.com/office/drawing/2010/main" w="9525">
                   <a:solidFill>
                     <a:srgbClr val="000000"/>
                   </a:solidFill>
@@ -6135,7 +6135,7 @@
             </a:ln>
             <a:extLst>
               <a:ext uri="{91240B29-F687-4f45-9708-019B960494DF}">
-                <a14:hiddenLine xmlns:a14="http://schemas.microsoft.com/office/drawing/2010/main" xmlns="" w="9525">
+                <a14:hiddenLine xmlns="" xmlns:a14="http://schemas.microsoft.com/office/drawing/2010/main" w="9525">
                   <a:solidFill>
                     <a:srgbClr val="000000"/>
                   </a:solidFill>
@@ -6225,7 +6225,7 @@
             </a:ln>
             <a:extLst>
               <a:ext uri="{91240B29-F687-4f45-9708-019B960494DF}">
-                <a14:hiddenLine xmlns:a14="http://schemas.microsoft.com/office/drawing/2010/main" xmlns="" w="9525">
+                <a14:hiddenLine xmlns="" xmlns:a14="http://schemas.microsoft.com/office/drawing/2010/main" w="9525">
                   <a:solidFill>
                     <a:srgbClr val="000000"/>
                   </a:solidFill>
@@ -6287,7 +6287,7 @@
             </a:ln>
             <a:extLst>
               <a:ext uri="{91240B29-F687-4f45-9708-019B960494DF}">
-                <a14:hiddenLine xmlns:a14="http://schemas.microsoft.com/office/drawing/2010/main" xmlns="" w="9525">
+                <a14:hiddenLine xmlns="" xmlns:a14="http://schemas.microsoft.com/office/drawing/2010/main" w="9525">
                   <a:solidFill>
                     <a:srgbClr val="000000"/>
                   </a:solidFill>
@@ -6407,7 +6407,7 @@
             </a:ln>
             <a:extLst>
               <a:ext uri="{91240B29-F687-4f45-9708-019B960494DF}">
-                <a14:hiddenLine xmlns:a14="http://schemas.microsoft.com/office/drawing/2010/main" xmlns="" w="9525">
+                <a14:hiddenLine xmlns="" xmlns:a14="http://schemas.microsoft.com/office/drawing/2010/main" w="9525">
                   <a:solidFill>
                     <a:srgbClr val="000000"/>
                   </a:solidFill>
@@ -6475,7 +6475,7 @@
             </a:ln>
             <a:extLst>
               <a:ext uri="{91240B29-F687-4f45-9708-019B960494DF}">
-                <a14:hiddenLine xmlns:a14="http://schemas.microsoft.com/office/drawing/2010/main" xmlns="" w="9525">
+                <a14:hiddenLine xmlns="" xmlns:a14="http://schemas.microsoft.com/office/drawing/2010/main" w="9525">
                   <a:solidFill>
                     <a:srgbClr val="000000"/>
                   </a:solidFill>
@@ -6565,7 +6565,7 @@
             </a:ln>
             <a:extLst>
               <a:ext uri="{91240B29-F687-4f45-9708-019B960494DF}">
-                <a14:hiddenLine xmlns:a14="http://schemas.microsoft.com/office/drawing/2010/main" xmlns="" w="9525">
+                <a14:hiddenLine xmlns="" xmlns:a14="http://schemas.microsoft.com/office/drawing/2010/main" w="9525">
                   <a:solidFill>
                     <a:srgbClr val="000000"/>
                   </a:solidFill>
@@ -6705,7 +6705,7 @@
           <a:p>
             <a:fld id="{48A87A34-81AB-432B-8DAE-1953F412C126}" type="datetimeFigureOut">
               <a:rPr lang="en-US" dirty="0"/>
-              <a:t>11/16/2019</a:t>
+              <a:t>6/18/2021</a:t>
             </a:fld>
             <a:endParaRPr lang="en-US" dirty="0"/>
           </a:p>
@@ -6966,7 +6966,7 @@
           <a:p>
             <a:fld id="{48A87A34-81AB-432B-8DAE-1953F412C126}" type="datetimeFigureOut">
               <a:rPr lang="en-US" dirty="0"/>
-              <a:t>11/16/2019</a:t>
+              <a:t>6/18/2021</a:t>
             </a:fld>
             <a:endParaRPr lang="en-US" dirty="0"/>
           </a:p>
@@ -7157,7 +7157,7 @@
           <a:p>
             <a:fld id="{48A87A34-81AB-432B-8DAE-1953F412C126}" type="datetimeFigureOut">
               <a:rPr lang="en-US" dirty="0"/>
-              <a:t>11/16/2019</a:t>
+              <a:t>6/18/2021</a:t>
             </a:fld>
             <a:endParaRPr lang="en-US" dirty="0"/>
           </a:p>
@@ -7415,7 +7415,7 @@
           <a:p>
             <a:fld id="{48A87A34-81AB-432B-8DAE-1953F412C126}" type="datetimeFigureOut">
               <a:rPr lang="en-US" dirty="0"/>
-              <a:t>11/16/2019</a:t>
+              <a:t>6/18/2021</a:t>
             </a:fld>
             <a:endParaRPr lang="en-US" dirty="0"/>
           </a:p>
@@ -7844,7 +7844,7 @@
           <a:p>
             <a:fld id="{48A87A34-81AB-432B-8DAE-1953F412C126}" type="datetimeFigureOut">
               <a:rPr lang="en-US" dirty="0"/>
-              <a:t>11/16/2019</a:t>
+              <a:t>6/18/2021</a:t>
             </a:fld>
             <a:endParaRPr lang="en-US" dirty="0"/>
           </a:p>
@@ -8385,7 +8385,7 @@
           <a:p>
             <a:fld id="{48A87A34-81AB-432B-8DAE-1953F412C126}" type="datetimeFigureOut">
               <a:rPr lang="en-US" dirty="0"/>
-              <a:t>11/16/2019</a:t>
+              <a:t>6/18/2021</a:t>
             </a:fld>
             <a:endParaRPr lang="en-US" dirty="0"/>
           </a:p>
@@ -9097,7 +9097,7 @@
           <a:p>
             <a:fld id="{48A87A34-81AB-432B-8DAE-1953F412C126}" type="datetimeFigureOut">
               <a:rPr lang="en-US" dirty="0"/>
-              <a:t>11/16/2019</a:t>
+              <a:t>6/18/2021</a:t>
             </a:fld>
             <a:endParaRPr lang="en-US" dirty="0"/>
           </a:p>
@@ -9262,7 +9262,7 @@
           <a:p>
             <a:fld id="{48A87A34-81AB-432B-8DAE-1953F412C126}" type="datetimeFigureOut">
               <a:rPr lang="en-US" dirty="0"/>
-              <a:t>11/16/2019</a:t>
+              <a:t>6/18/2021</a:t>
             </a:fld>
             <a:endParaRPr lang="en-US" dirty="0"/>
           </a:p>
@@ -9437,7 +9437,7 @@
           <a:p>
             <a:fld id="{48A87A34-81AB-432B-8DAE-1953F412C126}" type="datetimeFigureOut">
               <a:rPr lang="en-US" dirty="0"/>
-              <a:t>11/16/2019</a:t>
+              <a:t>6/18/2021</a:t>
             </a:fld>
             <a:endParaRPr lang="en-US" dirty="0"/>
           </a:p>
@@ -9602,7 +9602,7 @@
           <a:p>
             <a:fld id="{48A87A34-81AB-432B-8DAE-1953F412C126}" type="datetimeFigureOut">
               <a:rPr lang="en-US" dirty="0"/>
-              <a:t>11/16/2019</a:t>
+              <a:t>6/18/2021</a:t>
             </a:fld>
             <a:endParaRPr lang="en-US" dirty="0"/>
           </a:p>
@@ -9847,7 +9847,7 @@
           <a:p>
             <a:fld id="{48A87A34-81AB-432B-8DAE-1953F412C126}" type="datetimeFigureOut">
               <a:rPr lang="en-US" dirty="0"/>
-              <a:t>11/16/2019</a:t>
+              <a:t>6/18/2021</a:t>
             </a:fld>
             <a:endParaRPr lang="en-US" dirty="0"/>
           </a:p>
@@ -10074,7 +10074,7 @@
           <a:p>
             <a:fld id="{48A87A34-81AB-432B-8DAE-1953F412C126}" type="datetimeFigureOut">
               <a:rPr lang="en-US" dirty="0"/>
-              <a:t>11/16/2019</a:t>
+              <a:t>6/18/2021</a:t>
             </a:fld>
             <a:endParaRPr lang="en-US" dirty="0"/>
           </a:p>
@@ -10450,7 +10450,7 @@
           <a:p>
             <a:fld id="{48A87A34-81AB-432B-8DAE-1953F412C126}" type="datetimeFigureOut">
               <a:rPr lang="en-US" dirty="0"/>
-              <a:t>11/16/2019</a:t>
+              <a:t>6/18/2021</a:t>
             </a:fld>
             <a:endParaRPr lang="en-US" dirty="0"/>
           </a:p>
@@ -10563,7 +10563,7 @@
           <a:p>
             <a:fld id="{48A87A34-81AB-432B-8DAE-1953F412C126}" type="datetimeFigureOut">
               <a:rPr lang="en-US" dirty="0"/>
-              <a:t>11/16/2019</a:t>
+              <a:t>6/18/2021</a:t>
             </a:fld>
             <a:endParaRPr lang="en-US" dirty="0"/>
           </a:p>
@@ -10653,7 +10653,7 @@
           <a:p>
             <a:fld id="{48A87A34-81AB-432B-8DAE-1953F412C126}" type="datetimeFigureOut">
               <a:rPr lang="en-US" dirty="0"/>
-              <a:t>11/16/2019</a:t>
+              <a:t>6/18/2021</a:t>
             </a:fld>
             <a:endParaRPr lang="en-US" dirty="0"/>
           </a:p>
@@ -10897,7 +10897,7 @@
           <a:p>
             <a:fld id="{48A87A34-81AB-432B-8DAE-1953F412C126}" type="datetimeFigureOut">
               <a:rPr lang="en-US" dirty="0"/>
-              <a:t>11/16/2019</a:t>
+              <a:t>6/18/2021</a:t>
             </a:fld>
             <a:endParaRPr lang="en-US" dirty="0"/>
           </a:p>
@@ -11171,7 +11171,7 @@
           <a:p>
             <a:fld id="{48A87A34-81AB-432B-8DAE-1953F412C126}" type="datetimeFigureOut">
               <a:rPr lang="en-US" dirty="0"/>
-              <a:t>11/16/2019</a:t>
+              <a:t>6/18/2021</a:t>
             </a:fld>
             <a:endParaRPr lang="en-US" dirty="0"/>
           </a:p>
@@ -11289,7 +11289,7 @@
           <a:noFill/>
           <a:extLst>
             <a:ext uri="{909E8E84-426E-40dd-AFC4-6F175D3DCCD1}">
-              <a14:hiddenFill xmlns:a14="http://schemas.microsoft.com/office/drawing/2010/main" xmlns="">
+              <a14:hiddenFill xmlns="" xmlns:a14="http://schemas.microsoft.com/office/drawing/2010/main">
                 <a:solidFill>
                   <a:srgbClr val="FFFFFF"/>
                 </a:solidFill>
@@ -11363,7 +11363,7 @@
               </a:ln>
               <a:extLst>
                 <a:ext uri="{91240B29-F687-4f45-9708-019B960494DF}">
-                  <a14:hiddenLine xmlns:a14="http://schemas.microsoft.com/office/drawing/2010/main" xmlns="" w="9525">
+                  <a14:hiddenLine xmlns="" xmlns:a14="http://schemas.microsoft.com/office/drawing/2010/main" w="9525">
                     <a:solidFill>
                       <a:srgbClr val="000000"/>
                     </a:solidFill>
@@ -11453,7 +11453,7 @@
               </a:ln>
               <a:extLst>
                 <a:ext uri="{91240B29-F687-4f45-9708-019B960494DF}">
-                  <a14:hiddenLine xmlns:a14="http://schemas.microsoft.com/office/drawing/2010/main" xmlns="" w="9525">
+                  <a14:hiddenLine xmlns="" xmlns:a14="http://schemas.microsoft.com/office/drawing/2010/main" w="9525">
                     <a:solidFill>
                       <a:srgbClr val="000000"/>
                     </a:solidFill>
@@ -11543,7 +11543,7 @@
               </a:ln>
               <a:extLst>
                 <a:ext uri="{91240B29-F687-4f45-9708-019B960494DF}">
-                  <a14:hiddenLine xmlns:a14="http://schemas.microsoft.com/office/drawing/2010/main" xmlns="" w="9525">
+                  <a14:hiddenLine xmlns="" xmlns:a14="http://schemas.microsoft.com/office/drawing/2010/main" w="9525">
                     <a:solidFill>
                       <a:srgbClr val="000000"/>
                     </a:solidFill>
@@ -11605,7 +11605,7 @@
               </a:ln>
               <a:extLst>
                 <a:ext uri="{91240B29-F687-4f45-9708-019B960494DF}">
-                  <a14:hiddenLine xmlns:a14="http://schemas.microsoft.com/office/drawing/2010/main" xmlns="" w="9525">
+                  <a14:hiddenLine xmlns="" xmlns:a14="http://schemas.microsoft.com/office/drawing/2010/main" w="9525">
                     <a:solidFill>
                       <a:srgbClr val="000000"/>
                     </a:solidFill>
@@ -11695,7 +11695,7 @@
               </a:ln>
               <a:extLst>
                 <a:ext uri="{91240B29-F687-4f45-9708-019B960494DF}">
-                  <a14:hiddenLine xmlns:a14="http://schemas.microsoft.com/office/drawing/2010/main" xmlns="" w="9525">
+                  <a14:hiddenLine xmlns="" xmlns:a14="http://schemas.microsoft.com/office/drawing/2010/main" w="9525">
                     <a:solidFill>
                       <a:srgbClr val="000000"/>
                     </a:solidFill>
@@ -11757,7 +11757,7 @@
               </a:ln>
               <a:extLst>
                 <a:ext uri="{91240B29-F687-4f45-9708-019B960494DF}">
-                  <a14:hiddenLine xmlns:a14="http://schemas.microsoft.com/office/drawing/2010/main" xmlns="" w="9525">
+                  <a14:hiddenLine xmlns="" xmlns:a14="http://schemas.microsoft.com/office/drawing/2010/main" w="9525">
                     <a:solidFill>
                       <a:srgbClr val="000000"/>
                     </a:solidFill>
@@ -11819,7 +11819,7 @@
               </a:ln>
               <a:extLst>
                 <a:ext uri="{91240B29-F687-4f45-9708-019B960494DF}">
-                  <a14:hiddenLine xmlns:a14="http://schemas.microsoft.com/office/drawing/2010/main" xmlns="" w="9525">
+                  <a14:hiddenLine xmlns="" xmlns:a14="http://schemas.microsoft.com/office/drawing/2010/main" w="9525">
                     <a:solidFill>
                       <a:srgbClr val="000000"/>
                     </a:solidFill>
@@ -11909,7 +11909,7 @@
               </a:ln>
               <a:extLst>
                 <a:ext uri="{91240B29-F687-4f45-9708-019B960494DF}">
-                  <a14:hiddenLine xmlns:a14="http://schemas.microsoft.com/office/drawing/2010/main" xmlns="" w="9525">
+                  <a14:hiddenLine xmlns="" xmlns:a14="http://schemas.microsoft.com/office/drawing/2010/main" w="9525">
                     <a:solidFill>
                       <a:srgbClr val="000000"/>
                     </a:solidFill>
@@ -11999,7 +11999,7 @@
               </a:ln>
               <a:extLst>
                 <a:ext uri="{91240B29-F687-4f45-9708-019B960494DF}">
-                  <a14:hiddenLine xmlns:a14="http://schemas.microsoft.com/office/drawing/2010/main" xmlns="" w="9525">
+                  <a14:hiddenLine xmlns="" xmlns:a14="http://schemas.microsoft.com/office/drawing/2010/main" w="9525">
                     <a:solidFill>
                       <a:srgbClr val="000000"/>
                     </a:solidFill>
@@ -12061,7 +12061,7 @@
               </a:ln>
               <a:extLst>
                 <a:ext uri="{91240B29-F687-4f45-9708-019B960494DF}">
-                  <a14:hiddenLine xmlns:a14="http://schemas.microsoft.com/office/drawing/2010/main" xmlns="" w="9525">
+                  <a14:hiddenLine xmlns="" xmlns:a14="http://schemas.microsoft.com/office/drawing/2010/main" w="9525">
                     <a:solidFill>
                       <a:srgbClr val="000000"/>
                     </a:solidFill>
@@ -12171,7 +12171,7 @@
               </a:ln>
               <a:extLst>
                 <a:ext uri="{91240B29-F687-4f45-9708-019B960494DF}">
-                  <a14:hiddenLine xmlns:a14="http://schemas.microsoft.com/office/drawing/2010/main" xmlns="" w="9525">
+                  <a14:hiddenLine xmlns="" xmlns:a14="http://schemas.microsoft.com/office/drawing/2010/main" w="9525">
                     <a:solidFill>
                       <a:srgbClr val="000000"/>
                     </a:solidFill>
@@ -12255,7 +12255,7 @@
               </a:ln>
               <a:extLst>
                 <a:ext uri="{91240B29-F687-4f45-9708-019B960494DF}">
-                  <a14:hiddenLine xmlns:a14="http://schemas.microsoft.com/office/drawing/2010/main" xmlns="" w="9525">
+                  <a14:hiddenLine xmlns="" xmlns:a14="http://schemas.microsoft.com/office/drawing/2010/main" w="9525">
                     <a:solidFill>
                       <a:srgbClr val="000000"/>
                     </a:solidFill>
@@ -12317,7 +12317,7 @@
               </a:ln>
               <a:extLst>
                 <a:ext uri="{91240B29-F687-4f45-9708-019B960494DF}">
-                  <a14:hiddenLine xmlns:a14="http://schemas.microsoft.com/office/drawing/2010/main" xmlns="" w="9525">
+                  <a14:hiddenLine xmlns="" xmlns:a14="http://schemas.microsoft.com/office/drawing/2010/main" w="9525">
                     <a:solidFill>
                       <a:srgbClr val="000000"/>
                     </a:solidFill>
@@ -12379,7 +12379,7 @@
               </a:ln>
               <a:extLst>
                 <a:ext uri="{91240B29-F687-4f45-9708-019B960494DF}">
-                  <a14:hiddenLine xmlns:a14="http://schemas.microsoft.com/office/drawing/2010/main" xmlns="" w="9525">
+                  <a14:hiddenLine xmlns="" xmlns:a14="http://schemas.microsoft.com/office/drawing/2010/main" w="9525">
                     <a:solidFill>
                       <a:srgbClr val="000000"/>
                     </a:solidFill>
@@ -12469,7 +12469,7 @@
               </a:ln>
               <a:extLst>
                 <a:ext uri="{91240B29-F687-4f45-9708-019B960494DF}">
-                  <a14:hiddenLine xmlns:a14="http://schemas.microsoft.com/office/drawing/2010/main" xmlns="" w="9525">
+                  <a14:hiddenLine xmlns="" xmlns:a14="http://schemas.microsoft.com/office/drawing/2010/main" w="9525">
                     <a:solidFill>
                       <a:srgbClr val="000000"/>
                     </a:solidFill>
@@ -12503,7 +12503,7 @@
               </a:ln>
               <a:extLst>
                 <a:ext uri="{91240B29-F687-4f45-9708-019B960494DF}">
-                  <a14:hiddenLine xmlns:a14="http://schemas.microsoft.com/office/drawing/2010/main" xmlns="" w="9525">
+                  <a14:hiddenLine xmlns="" xmlns:a14="http://schemas.microsoft.com/office/drawing/2010/main" w="9525">
                     <a:solidFill>
                       <a:srgbClr val="000000"/>
                     </a:solidFill>
@@ -12568,7 +12568,7 @@
               </a:ln>
               <a:extLst>
                 <a:ext uri="{91240B29-F687-4f45-9708-019B960494DF}">
-                  <a14:hiddenLine xmlns:a14="http://schemas.microsoft.com/office/drawing/2010/main" xmlns="" w="9525">
+                  <a14:hiddenLine xmlns="" xmlns:a14="http://schemas.microsoft.com/office/drawing/2010/main" w="9525">
                     <a:solidFill>
                       <a:srgbClr val="000000"/>
                     </a:solidFill>
@@ -12658,7 +12658,7 @@
               </a:ln>
               <a:extLst>
                 <a:ext uri="{91240B29-F687-4f45-9708-019B960494DF}">
-                  <a14:hiddenLine xmlns:a14="http://schemas.microsoft.com/office/drawing/2010/main" xmlns="" w="9525">
+                  <a14:hiddenLine xmlns="" xmlns:a14="http://schemas.microsoft.com/office/drawing/2010/main" w="9525">
                     <a:solidFill>
                       <a:srgbClr val="000000"/>
                     </a:solidFill>
@@ -12720,7 +12720,7 @@
               </a:ln>
               <a:extLst>
                 <a:ext uri="{91240B29-F687-4f45-9708-019B960494DF}">
-                  <a14:hiddenLine xmlns:a14="http://schemas.microsoft.com/office/drawing/2010/main" xmlns="" w="9525">
+                  <a14:hiddenLine xmlns="" xmlns:a14="http://schemas.microsoft.com/office/drawing/2010/main" w="9525">
                     <a:solidFill>
                       <a:srgbClr val="000000"/>
                     </a:solidFill>
@@ -12810,7 +12810,7 @@
               </a:ln>
               <a:extLst>
                 <a:ext uri="{91240B29-F687-4f45-9708-019B960494DF}">
-                  <a14:hiddenLine xmlns:a14="http://schemas.microsoft.com/office/drawing/2010/main" xmlns="" w="9525">
+                  <a14:hiddenLine xmlns="" xmlns:a14="http://schemas.microsoft.com/office/drawing/2010/main" w="9525">
                     <a:solidFill>
                       <a:srgbClr val="000000"/>
                     </a:solidFill>
@@ -12875,7 +12875,7 @@
               </a:ln>
               <a:extLst>
                 <a:ext uri="{91240B29-F687-4f45-9708-019B960494DF}">
-                  <a14:hiddenLine xmlns:a14="http://schemas.microsoft.com/office/drawing/2010/main" xmlns="" w="9525">
+                  <a14:hiddenLine xmlns="" xmlns:a14="http://schemas.microsoft.com/office/drawing/2010/main" w="9525">
                     <a:solidFill>
                       <a:srgbClr val="000000"/>
                     </a:solidFill>
@@ -12937,7 +12937,7 @@
               </a:ln>
               <a:extLst>
                 <a:ext uri="{91240B29-F687-4f45-9708-019B960494DF}">
-                  <a14:hiddenLine xmlns:a14="http://schemas.microsoft.com/office/drawing/2010/main" xmlns="" w="9525">
+                  <a14:hiddenLine xmlns="" xmlns:a14="http://schemas.microsoft.com/office/drawing/2010/main" w="9525">
                     <a:solidFill>
                       <a:srgbClr val="000000"/>
                     </a:solidFill>
@@ -13027,7 +13027,7 @@
               </a:ln>
               <a:extLst>
                 <a:ext uri="{91240B29-F687-4f45-9708-019B960494DF}">
-                  <a14:hiddenLine xmlns:a14="http://schemas.microsoft.com/office/drawing/2010/main" xmlns="" w="9525">
+                  <a14:hiddenLine xmlns="" xmlns:a14="http://schemas.microsoft.com/office/drawing/2010/main" w="9525">
                     <a:solidFill>
                       <a:srgbClr val="000000"/>
                     </a:solidFill>
@@ -13117,7 +13117,7 @@
               </a:ln>
               <a:extLst>
                 <a:ext uri="{91240B29-F687-4f45-9708-019B960494DF}">
-                  <a14:hiddenLine xmlns:a14="http://schemas.microsoft.com/office/drawing/2010/main" xmlns="" w="9525">
+                  <a14:hiddenLine xmlns="" xmlns:a14="http://schemas.microsoft.com/office/drawing/2010/main" w="9525">
                     <a:solidFill>
                       <a:srgbClr val="000000"/>
                     </a:solidFill>
@@ -13182,7 +13182,7 @@
               </a:ln>
               <a:extLst>
                 <a:ext uri="{91240B29-F687-4f45-9708-019B960494DF}">
-                  <a14:hiddenLine xmlns:a14="http://schemas.microsoft.com/office/drawing/2010/main" xmlns="" w="9525">
+                  <a14:hiddenLine xmlns="" xmlns:a14="http://schemas.microsoft.com/office/drawing/2010/main" w="9525">
                     <a:solidFill>
                       <a:srgbClr val="000000"/>
                     </a:solidFill>
@@ -13302,7 +13302,7 @@
               </a:ln>
               <a:extLst>
                 <a:ext uri="{91240B29-F687-4f45-9708-019B960494DF}">
-                  <a14:hiddenLine xmlns:a14="http://schemas.microsoft.com/office/drawing/2010/main" xmlns="" w="9525">
+                  <a14:hiddenLine xmlns="" xmlns:a14="http://schemas.microsoft.com/office/drawing/2010/main" w="9525">
                     <a:solidFill>
                       <a:srgbClr val="000000"/>
                     </a:solidFill>
@@ -13383,7 +13383,7 @@
               </a:ln>
               <a:extLst>
                 <a:ext uri="{91240B29-F687-4f45-9708-019B960494DF}">
-                  <a14:hiddenLine xmlns:a14="http://schemas.microsoft.com/office/drawing/2010/main" xmlns="" w="9525">
+                  <a14:hiddenLine xmlns="" xmlns:a14="http://schemas.microsoft.com/office/drawing/2010/main" w="9525">
                     <a:solidFill>
                       <a:srgbClr val="000000"/>
                     </a:solidFill>
@@ -13498,7 +13498,7 @@
               </a:ln>
               <a:extLst>
                 <a:ext uri="{91240B29-F687-4f45-9708-019B960494DF}">
-                  <a14:hiddenLine xmlns:a14="http://schemas.microsoft.com/office/drawing/2010/main" xmlns="" w="9525">
+                  <a14:hiddenLine xmlns="" xmlns:a14="http://schemas.microsoft.com/office/drawing/2010/main" w="9525">
                     <a:solidFill>
                       <a:srgbClr val="000000"/>
                     </a:solidFill>
@@ -13588,7 +13588,7 @@
               </a:ln>
               <a:extLst>
                 <a:ext uri="{91240B29-F687-4f45-9708-019B960494DF}">
-                  <a14:hiddenLine xmlns:a14="http://schemas.microsoft.com/office/drawing/2010/main" xmlns="" w="9525">
+                  <a14:hiddenLine xmlns="" xmlns:a14="http://schemas.microsoft.com/office/drawing/2010/main" w="9525">
                     <a:solidFill>
                       <a:srgbClr val="000000"/>
                     </a:solidFill>
@@ -13653,7 +13653,7 @@
               </a:ln>
               <a:extLst>
                 <a:ext uri="{91240B29-F687-4f45-9708-019B960494DF}">
-                  <a14:hiddenLine xmlns:a14="http://schemas.microsoft.com/office/drawing/2010/main" xmlns="" w="9525">
+                  <a14:hiddenLine xmlns="" xmlns:a14="http://schemas.microsoft.com/office/drawing/2010/main" w="9525">
                     <a:solidFill>
                       <a:srgbClr val="000000"/>
                     </a:solidFill>
@@ -13743,7 +13743,7 @@
               </a:ln>
               <a:extLst>
                 <a:ext uri="{91240B29-F687-4f45-9708-019B960494DF}">
-                  <a14:hiddenLine xmlns:a14="http://schemas.microsoft.com/office/drawing/2010/main" xmlns="" w="9525">
+                  <a14:hiddenLine xmlns="" xmlns:a14="http://schemas.microsoft.com/office/drawing/2010/main" w="9525">
                     <a:solidFill>
                       <a:srgbClr val="000000"/>
                     </a:solidFill>
@@ -13811,7 +13811,7 @@
               </a:ln>
               <a:extLst>
                 <a:ext uri="{91240B29-F687-4f45-9708-019B960494DF}">
-                  <a14:hiddenLine xmlns:a14="http://schemas.microsoft.com/office/drawing/2010/main" xmlns="" w="9525">
+                  <a14:hiddenLine xmlns="" xmlns:a14="http://schemas.microsoft.com/office/drawing/2010/main" w="9525">
                     <a:solidFill>
                       <a:srgbClr val="000000"/>
                     </a:solidFill>
@@ -13901,7 +13901,7 @@
               </a:ln>
               <a:extLst>
                 <a:ext uri="{91240B29-F687-4f45-9708-019B960494DF}">
-                  <a14:hiddenLine xmlns:a14="http://schemas.microsoft.com/office/drawing/2010/main" xmlns="" w="9525">
+                  <a14:hiddenLine xmlns="" xmlns:a14="http://schemas.microsoft.com/office/drawing/2010/main" w="9525">
                     <a:solidFill>
                       <a:srgbClr val="000000"/>
                     </a:solidFill>
@@ -13969,7 +13969,7 @@
               </a:ln>
               <a:extLst>
                 <a:ext uri="{91240B29-F687-4f45-9708-019B960494DF}">
-                  <a14:hiddenLine xmlns:a14="http://schemas.microsoft.com/office/drawing/2010/main" xmlns="" w="9525">
+                  <a14:hiddenLine xmlns="" xmlns:a14="http://schemas.microsoft.com/office/drawing/2010/main" w="9525">
                     <a:solidFill>
                       <a:srgbClr val="000000"/>
                     </a:solidFill>
@@ -14059,7 +14059,7 @@
               </a:ln>
               <a:extLst>
                 <a:ext uri="{91240B29-F687-4f45-9708-019B960494DF}">
-                  <a14:hiddenLine xmlns:a14="http://schemas.microsoft.com/office/drawing/2010/main" xmlns="" w="9525">
+                  <a14:hiddenLine xmlns="" xmlns:a14="http://schemas.microsoft.com/office/drawing/2010/main" w="9525">
                     <a:solidFill>
                       <a:srgbClr val="000000"/>
                     </a:solidFill>
@@ -14093,7 +14093,7 @@
               </a:ln>
               <a:extLst>
                 <a:ext uri="{91240B29-F687-4f45-9708-019B960494DF}">
-                  <a14:hiddenLine xmlns:a14="http://schemas.microsoft.com/office/drawing/2010/main" xmlns="" w="9525">
+                  <a14:hiddenLine xmlns="" xmlns:a14="http://schemas.microsoft.com/office/drawing/2010/main" w="9525">
                     <a:solidFill>
                       <a:srgbClr val="000000"/>
                     </a:solidFill>
@@ -14234,7 +14234,7 @@
             <a:fld id="{48A87A34-81AB-432B-8DAE-1953F412C126}" type="datetimeFigureOut">
               <a:rPr lang="en-US" dirty="0"/>
               <a:pPr/>
-              <a:t>11/16/2019</a:t>
+              <a:t>6/18/2021</a:t>
             </a:fld>
             <a:endParaRPr lang="en-US" dirty="0"/>
           </a:p>
@@ -14684,12 +14684,8 @@
               <a:t>Kaggle Cardiac Data</a:t>
             </a:r>
             <a:br>
-              <a:rPr lang="en-US" sz="4400" dirty="0"/>
+              <a:rPr lang="en-US" sz="4400"/>
             </a:br>
-            <a:r>
-              <a:rPr lang="en-US" sz="4400" dirty="0"/>
-              <a:t>DSC 530 </a:t>
-            </a:r>
             <a:br>
               <a:rPr lang="en-US" sz="4400" dirty="0"/>
             </a:br>
